--- a/ProjectPlan/Timeline.pptx
+++ b/ProjectPlan/Timeline.pptx
@@ -104,6 +104,11 @@
       </a:defRPr>
     </a:lvl9pPr>
   </p:defaultTextStyle>
+  <p:extLst>
+    <p:ext uri="{EFAFB233-063F-42B5-8137-9DF3F51BA10A}">
+      <p15:sldGuideLst xmlns:p15="http://schemas.microsoft.com/office/powerpoint/2012/main"/>
+    </p:ext>
+  </p:extLst>
 </p:presentation>
 </file>
 
@@ -111,13 +116,13 @@
 <pc:chgInfo xmlns:a="http://schemas.openxmlformats.org/drawingml/2006/main" xmlns:r="http://schemas.openxmlformats.org/officeDocument/2006/relationships" xmlns:ac="http://schemas.microsoft.com/office/drawing/2013/main/command" xmlns:pc="http://schemas.microsoft.com/office/powerpoint/2013/main/command">
   <pc:docChgLst>
     <pc:chgData name="Duy Nguyen Ngoc (FIS ENTHCM)" userId="810b9956-37a8-4c27-897b-1ce59f3dab75" providerId="ADAL" clId="{91B5AFD0-2E37-4F4A-96A6-AF72E49564A3}"/>
-    <pc:docChg chg="undo modSld">
-      <pc:chgData name="Duy Nguyen Ngoc (FIS ENTHCM)" userId="810b9956-37a8-4c27-897b-1ce59f3dab75" providerId="ADAL" clId="{91B5AFD0-2E37-4F4A-96A6-AF72E49564A3}" dt="2018-11-19T03:00:11.132" v="299" actId="20577"/>
+    <pc:docChg chg="undo custSel modSld">
+      <pc:chgData name="Duy Nguyen Ngoc (FIS ENTHCM)" userId="810b9956-37a8-4c27-897b-1ce59f3dab75" providerId="ADAL" clId="{91B5AFD0-2E37-4F4A-96A6-AF72E49564A3}" dt="2018-11-19T09:33:56.918" v="610" actId="20577"/>
       <pc:docMkLst>
         <pc:docMk/>
       </pc:docMkLst>
       <pc:sldChg chg="addSp delSp modSp">
-        <pc:chgData name="Duy Nguyen Ngoc (FIS ENTHCM)" userId="810b9956-37a8-4c27-897b-1ce59f3dab75" providerId="ADAL" clId="{91B5AFD0-2E37-4F4A-96A6-AF72E49564A3}" dt="2018-11-19T03:00:11.132" v="299" actId="20577"/>
+        <pc:chgData name="Duy Nguyen Ngoc (FIS ENTHCM)" userId="810b9956-37a8-4c27-897b-1ce59f3dab75" providerId="ADAL" clId="{91B5AFD0-2E37-4F4A-96A6-AF72E49564A3}" dt="2018-11-19T09:33:56.918" v="610" actId="20577"/>
         <pc:sldMkLst>
           <pc:docMk/>
           <pc:sldMk cId="60379206" sldId="256"/>
@@ -162,6 +167,14 @@
             <ac:spMk id="8" creationId="{FE574F88-79E0-4D4A-9356-80BEB00FBCDC}"/>
           </ac:spMkLst>
         </pc:spChg>
+        <pc:spChg chg="add mod">
+          <ac:chgData name="Duy Nguyen Ngoc (FIS ENTHCM)" userId="810b9956-37a8-4c27-897b-1ce59f3dab75" providerId="ADAL" clId="{91B5AFD0-2E37-4F4A-96A6-AF72E49564A3}" dt="2018-11-19T09:31:11.131" v="586" actId="1036"/>
+          <ac:spMkLst>
+            <pc:docMk/>
+            <pc:sldMk cId="60379206" sldId="256"/>
+            <ac:spMk id="9" creationId="{2721D60C-50E3-49CA-89A3-20B8FF4D3B0D}"/>
+          </ac:spMkLst>
+        </pc:spChg>
         <pc:spChg chg="mod ord">
           <ac:chgData name="Duy Nguyen Ngoc (FIS ENTHCM)" userId="810b9956-37a8-4c27-897b-1ce59f3dab75" providerId="ADAL" clId="{91B5AFD0-2E37-4F4A-96A6-AF72E49564A3}" dt="2018-11-19T02:59:11.165" v="257" actId="1076"/>
           <ac:spMkLst>
@@ -179,7 +192,7 @@
           </ac:spMkLst>
         </pc:spChg>
         <pc:spChg chg="mod ord">
-          <ac:chgData name="Duy Nguyen Ngoc (FIS ENTHCM)" userId="810b9956-37a8-4c27-897b-1ce59f3dab75" providerId="ADAL" clId="{91B5AFD0-2E37-4F4A-96A6-AF72E49564A3}" dt="2018-11-19T02:59:11.165" v="257" actId="1076"/>
+          <ac:chgData name="Duy Nguyen Ngoc (FIS ENTHCM)" userId="810b9956-37a8-4c27-897b-1ce59f3dab75" providerId="ADAL" clId="{91B5AFD0-2E37-4F4A-96A6-AF72E49564A3}" dt="2018-11-19T03:01:25.019" v="320" actId="1076"/>
           <ac:spMkLst>
             <pc:docMk/>
             <pc:sldMk cId="60379206" sldId="256"/>
@@ -234,8 +247,32 @@
             <ac:spMk id="26" creationId="{4823A3C1-CB7C-4629-9A2C-D5E9EAA4F4B5}"/>
           </ac:spMkLst>
         </pc:spChg>
+        <pc:spChg chg="add del mod">
+          <ac:chgData name="Duy Nguyen Ngoc (FIS ENTHCM)" userId="810b9956-37a8-4c27-897b-1ce59f3dab75" providerId="ADAL" clId="{91B5AFD0-2E37-4F4A-96A6-AF72E49564A3}" dt="2018-11-19T09:24:36.664" v="429" actId="478"/>
+          <ac:spMkLst>
+            <pc:docMk/>
+            <pc:sldMk cId="60379206" sldId="256"/>
+            <ac:spMk id="28" creationId="{ECA743F7-B433-4883-9646-991023C4F101}"/>
+          </ac:spMkLst>
+        </pc:spChg>
+        <pc:spChg chg="add del mod">
+          <ac:chgData name="Duy Nguyen Ngoc (FIS ENTHCM)" userId="810b9956-37a8-4c27-897b-1ce59f3dab75" providerId="ADAL" clId="{91B5AFD0-2E37-4F4A-96A6-AF72E49564A3}" dt="2018-11-19T09:24:36.664" v="429" actId="478"/>
+          <ac:spMkLst>
+            <pc:docMk/>
+            <pc:sldMk cId="60379206" sldId="256"/>
+            <ac:spMk id="29" creationId="{80038765-6102-479D-9CC9-DAB1DD89C288}"/>
+          </ac:spMkLst>
+        </pc:spChg>
+        <pc:spChg chg="add del mod">
+          <ac:chgData name="Duy Nguyen Ngoc (FIS ENTHCM)" userId="810b9956-37a8-4c27-897b-1ce59f3dab75" providerId="ADAL" clId="{91B5AFD0-2E37-4F4A-96A6-AF72E49564A3}" dt="2018-11-19T09:24:36.664" v="429" actId="478"/>
+          <ac:spMkLst>
+            <pc:docMk/>
+            <pc:sldMk cId="60379206" sldId="256"/>
+            <ac:spMk id="30" creationId="{2CEC6C40-D446-4B35-9D4F-74D2B239BBF6}"/>
+          </ac:spMkLst>
+        </pc:spChg>
         <pc:spChg chg="mod">
-          <ac:chgData name="Duy Nguyen Ngoc (FIS ENTHCM)" userId="810b9956-37a8-4c27-897b-1ce59f3dab75" providerId="ADAL" clId="{91B5AFD0-2E37-4F4A-96A6-AF72E49564A3}" dt="2018-11-19T02:59:54.271" v="269" actId="20577"/>
+          <ac:chgData name="Duy Nguyen Ngoc (FIS ENTHCM)" userId="810b9956-37a8-4c27-897b-1ce59f3dab75" providerId="ADAL" clId="{91B5AFD0-2E37-4F4A-96A6-AF72E49564A3}" dt="2018-11-19T03:01:25.019" v="320" actId="1076"/>
           <ac:spMkLst>
             <pc:docMk/>
             <pc:sldMk cId="60379206" sldId="256"/>
@@ -248,6 +285,14 @@
             <pc:docMk/>
             <pc:sldMk cId="60379206" sldId="256"/>
             <ac:spMk id="33" creationId="{44343431-13C9-4126-A6F3-DA7A2CB49AD9}"/>
+          </ac:spMkLst>
+        </pc:spChg>
+        <pc:spChg chg="add del mod">
+          <ac:chgData name="Duy Nguyen Ngoc (FIS ENTHCM)" userId="810b9956-37a8-4c27-897b-1ce59f3dab75" providerId="ADAL" clId="{91B5AFD0-2E37-4F4A-96A6-AF72E49564A3}" dt="2018-11-19T09:24:36.664" v="429" actId="478"/>
+          <ac:spMkLst>
+            <pc:docMk/>
+            <pc:sldMk cId="60379206" sldId="256"/>
+            <ac:spMk id="33" creationId="{99DD1935-8CEF-4EB2-8322-7A146D5CD3B0}"/>
           </ac:spMkLst>
         </pc:spChg>
         <pc:spChg chg="add mod">
@@ -274,6 +319,78 @@
             <ac:spMk id="38" creationId="{5A60CC97-EA2B-486E-88C6-4DB47684E533}"/>
           </ac:spMkLst>
         </pc:spChg>
+        <pc:spChg chg="add del mod">
+          <ac:chgData name="Duy Nguyen Ngoc (FIS ENTHCM)" userId="810b9956-37a8-4c27-897b-1ce59f3dab75" providerId="ADAL" clId="{91B5AFD0-2E37-4F4A-96A6-AF72E49564A3}" dt="2018-11-19T09:24:36.664" v="429" actId="478"/>
+          <ac:spMkLst>
+            <pc:docMk/>
+            <pc:sldMk cId="60379206" sldId="256"/>
+            <ac:spMk id="39" creationId="{125AE5A3-DE2F-4BBF-9541-E0DDAE971372}"/>
+          </ac:spMkLst>
+        </pc:spChg>
+        <pc:spChg chg="add del mod">
+          <ac:chgData name="Duy Nguyen Ngoc (FIS ENTHCM)" userId="810b9956-37a8-4c27-897b-1ce59f3dab75" providerId="ADAL" clId="{91B5AFD0-2E37-4F4A-96A6-AF72E49564A3}" dt="2018-11-19T09:24:36.664" v="429" actId="478"/>
+          <ac:spMkLst>
+            <pc:docMk/>
+            <pc:sldMk cId="60379206" sldId="256"/>
+            <ac:spMk id="40" creationId="{4E7310CB-5D1D-4DDD-AA93-C8199E6353B4}"/>
+          </ac:spMkLst>
+        </pc:spChg>
+        <pc:spChg chg="add mod">
+          <ac:chgData name="Duy Nguyen Ngoc (FIS ENTHCM)" userId="810b9956-37a8-4c27-897b-1ce59f3dab75" providerId="ADAL" clId="{91B5AFD0-2E37-4F4A-96A6-AF72E49564A3}" dt="2018-11-19T09:31:11.131" v="586" actId="1036"/>
+          <ac:spMkLst>
+            <pc:docMk/>
+            <pc:sldMk cId="60379206" sldId="256"/>
+            <ac:spMk id="48" creationId="{56BDC95F-CF60-4010-9C69-1E1E483DB0E1}"/>
+          </ac:spMkLst>
+        </pc:spChg>
+        <pc:spChg chg="add mod">
+          <ac:chgData name="Duy Nguyen Ngoc (FIS ENTHCM)" userId="810b9956-37a8-4c27-897b-1ce59f3dab75" providerId="ADAL" clId="{91B5AFD0-2E37-4F4A-96A6-AF72E49564A3}" dt="2018-11-19T09:31:11.131" v="586" actId="1036"/>
+          <ac:spMkLst>
+            <pc:docMk/>
+            <pc:sldMk cId="60379206" sldId="256"/>
+            <ac:spMk id="49" creationId="{13A617D5-EC84-4950-9DA8-F1A1F4378641}"/>
+          </ac:spMkLst>
+        </pc:spChg>
+        <pc:spChg chg="add mod">
+          <ac:chgData name="Duy Nguyen Ngoc (FIS ENTHCM)" userId="810b9956-37a8-4c27-897b-1ce59f3dab75" providerId="ADAL" clId="{91B5AFD0-2E37-4F4A-96A6-AF72E49564A3}" dt="2018-11-19T09:31:11.131" v="586" actId="1036"/>
+          <ac:spMkLst>
+            <pc:docMk/>
+            <pc:sldMk cId="60379206" sldId="256"/>
+            <ac:spMk id="50" creationId="{BA68C87C-324A-4614-98FD-6A26D452F07B}"/>
+          </ac:spMkLst>
+        </pc:spChg>
+        <pc:spChg chg="add mod">
+          <ac:chgData name="Duy Nguyen Ngoc (FIS ENTHCM)" userId="810b9956-37a8-4c27-897b-1ce59f3dab75" providerId="ADAL" clId="{91B5AFD0-2E37-4F4A-96A6-AF72E49564A3}" dt="2018-11-19T09:31:11.131" v="586" actId="1036"/>
+          <ac:spMkLst>
+            <pc:docMk/>
+            <pc:sldMk cId="60379206" sldId="256"/>
+            <ac:spMk id="51" creationId="{C971EF09-CD61-4659-BE14-26435E7880E1}"/>
+          </ac:spMkLst>
+        </pc:spChg>
+        <pc:spChg chg="add mod">
+          <ac:chgData name="Duy Nguyen Ngoc (FIS ENTHCM)" userId="810b9956-37a8-4c27-897b-1ce59f3dab75" providerId="ADAL" clId="{91B5AFD0-2E37-4F4A-96A6-AF72E49564A3}" dt="2018-11-19T09:31:11.131" v="586" actId="1036"/>
+          <ac:spMkLst>
+            <pc:docMk/>
+            <pc:sldMk cId="60379206" sldId="256"/>
+            <ac:spMk id="52" creationId="{46BDB94A-4021-4417-9504-5072E8C0FD58}"/>
+          </ac:spMkLst>
+        </pc:spChg>
+        <pc:spChg chg="add mod">
+          <ac:chgData name="Duy Nguyen Ngoc (FIS ENTHCM)" userId="810b9956-37a8-4c27-897b-1ce59f3dab75" providerId="ADAL" clId="{91B5AFD0-2E37-4F4A-96A6-AF72E49564A3}" dt="2018-11-19T09:33:56.918" v="610" actId="20577"/>
+          <ac:spMkLst>
+            <pc:docMk/>
+            <pc:sldMk cId="60379206" sldId="256"/>
+            <ac:spMk id="53" creationId="{27CF5845-B737-4BF4-ABB5-49A560803A94}"/>
+          </ac:spMkLst>
+        </pc:spChg>
+        <pc:cxnChg chg="add mod ord">
+          <ac:chgData name="Duy Nguyen Ngoc (FIS ENTHCM)" userId="810b9956-37a8-4c27-897b-1ce59f3dab75" providerId="ADAL" clId="{91B5AFD0-2E37-4F4A-96A6-AF72E49564A3}" dt="2018-11-19T09:31:19.570" v="587" actId="14100"/>
+          <ac:cxnSpMkLst>
+            <pc:docMk/>
+            <pc:sldMk cId="60379206" sldId="256"/>
+            <ac:cxnSpMk id="3" creationId="{D680F179-44CF-4DCD-B44A-DA9E422BEF89}"/>
+          </ac:cxnSpMkLst>
+        </pc:cxnChg>
         <pc:cxnChg chg="mod">
           <ac:chgData name="Duy Nguyen Ngoc (FIS ENTHCM)" userId="810b9956-37a8-4c27-897b-1ce59f3dab75" providerId="ADAL" clId="{91B5AFD0-2E37-4F4A-96A6-AF72E49564A3}" dt="2018-11-19T02:59:11.165" v="257" actId="1076"/>
           <ac:cxnSpMkLst>
@@ -314,8 +431,16 @@
             <ac:cxnSpMk id="22" creationId="{4AD13265-EF92-4A40-8F07-DC9064D38D9C}"/>
           </ac:cxnSpMkLst>
         </pc:cxnChg>
+        <pc:cxnChg chg="add mod">
+          <ac:chgData name="Duy Nguyen Ngoc (FIS ENTHCM)" userId="810b9956-37a8-4c27-897b-1ce59f3dab75" providerId="ADAL" clId="{91B5AFD0-2E37-4F4A-96A6-AF72E49564A3}" dt="2018-11-19T09:31:11.131" v="586" actId="1036"/>
+          <ac:cxnSpMkLst>
+            <pc:docMk/>
+            <pc:sldMk cId="60379206" sldId="256"/>
+            <ac:cxnSpMk id="23" creationId="{7789CD19-86C6-457D-9569-3E6568583D6D}"/>
+          </ac:cxnSpMkLst>
+        </pc:cxnChg>
         <pc:cxnChg chg="mod">
-          <ac:chgData name="Duy Nguyen Ngoc (FIS ENTHCM)" userId="810b9956-37a8-4c27-897b-1ce59f3dab75" providerId="ADAL" clId="{91B5AFD0-2E37-4F4A-96A6-AF72E49564A3}" dt="2018-11-19T02:59:11.165" v="257" actId="1076"/>
+          <ac:chgData name="Duy Nguyen Ngoc (FIS ENTHCM)" userId="810b9956-37a8-4c27-897b-1ce59f3dab75" providerId="ADAL" clId="{91B5AFD0-2E37-4F4A-96A6-AF72E49564A3}" dt="2018-11-19T03:01:07.381" v="300" actId="14100"/>
           <ac:cxnSpMkLst>
             <pc:docMk/>
             <pc:sldMk cId="60379206" sldId="256"/>
@@ -331,11 +456,115 @@
           </ac:cxnSpMkLst>
         </pc:cxnChg>
         <pc:cxnChg chg="add mod">
-          <ac:chgData name="Duy Nguyen Ngoc (FIS ENTHCM)" userId="810b9956-37a8-4c27-897b-1ce59f3dab75" providerId="ADAL" clId="{91B5AFD0-2E37-4F4A-96A6-AF72E49564A3}" dt="2018-11-19T02:59:11.165" v="257" actId="1076"/>
+          <ac:chgData name="Duy Nguyen Ngoc (FIS ENTHCM)" userId="810b9956-37a8-4c27-897b-1ce59f3dab75" providerId="ADAL" clId="{91B5AFD0-2E37-4F4A-96A6-AF72E49564A3}" dt="2018-11-19T03:01:16.949" v="319" actId="1037"/>
           <ac:cxnSpMkLst>
             <pc:docMk/>
             <pc:sldMk cId="60379206" sldId="256"/>
             <ac:cxnSpMk id="37" creationId="{76358757-1FCA-4E9F-90F2-586A48865C40}"/>
+          </ac:cxnSpMkLst>
+        </pc:cxnChg>
+        <pc:cxnChg chg="add mod ord">
+          <ac:chgData name="Duy Nguyen Ngoc (FIS ENTHCM)" userId="810b9956-37a8-4c27-897b-1ce59f3dab75" providerId="ADAL" clId="{91B5AFD0-2E37-4F4A-96A6-AF72E49564A3}" dt="2018-11-19T09:31:30.313" v="590" actId="14100"/>
+          <ac:cxnSpMkLst>
+            <pc:docMk/>
+            <pc:sldMk cId="60379206" sldId="256"/>
+            <ac:cxnSpMk id="41" creationId="{CD9FFA03-0555-4742-8B1A-77D9C0B5FF95}"/>
+          </ac:cxnSpMkLst>
+        </pc:cxnChg>
+        <pc:cxnChg chg="add mod ord">
+          <ac:chgData name="Duy Nguyen Ngoc (FIS ENTHCM)" userId="810b9956-37a8-4c27-897b-1ce59f3dab75" providerId="ADAL" clId="{91B5AFD0-2E37-4F4A-96A6-AF72E49564A3}" dt="2018-11-19T09:31:38.529" v="591" actId="14100"/>
+          <ac:cxnSpMkLst>
+            <pc:docMk/>
+            <pc:sldMk cId="60379206" sldId="256"/>
+            <ac:cxnSpMk id="42" creationId="{E904ABF5-9E62-4838-A538-6EEA4CE3D491}"/>
+          </ac:cxnSpMkLst>
+        </pc:cxnChg>
+        <pc:cxnChg chg="add mod ord">
+          <ac:chgData name="Duy Nguyen Ngoc (FIS ENTHCM)" userId="810b9956-37a8-4c27-897b-1ce59f3dab75" providerId="ADAL" clId="{91B5AFD0-2E37-4F4A-96A6-AF72E49564A3}" dt="2018-11-19T09:31:41.017" v="592" actId="14100"/>
+          <ac:cxnSpMkLst>
+            <pc:docMk/>
+            <pc:sldMk cId="60379206" sldId="256"/>
+            <ac:cxnSpMk id="43" creationId="{EE7427BE-0DD1-4010-A9C3-7982E2497D56}"/>
+          </ac:cxnSpMkLst>
+        </pc:cxnChg>
+        <pc:cxnChg chg="add mod ord">
+          <ac:chgData name="Duy Nguyen Ngoc (FIS ENTHCM)" userId="810b9956-37a8-4c27-897b-1ce59f3dab75" providerId="ADAL" clId="{91B5AFD0-2E37-4F4A-96A6-AF72E49564A3}" dt="2018-11-19T09:31:53.153" v="597" actId="14100"/>
+          <ac:cxnSpMkLst>
+            <pc:docMk/>
+            <pc:sldMk cId="60379206" sldId="256"/>
+            <ac:cxnSpMk id="44" creationId="{1E25E426-70D9-4D80-A779-1B1853DC3C55}"/>
+          </ac:cxnSpMkLst>
+        </pc:cxnChg>
+        <pc:cxnChg chg="add mod ord">
+          <ac:chgData name="Duy Nguyen Ngoc (FIS ENTHCM)" userId="810b9956-37a8-4c27-897b-1ce59f3dab75" providerId="ADAL" clId="{91B5AFD0-2E37-4F4A-96A6-AF72E49564A3}" dt="2018-11-19T09:31:46.098" v="594" actId="14100"/>
+          <ac:cxnSpMkLst>
+            <pc:docMk/>
+            <pc:sldMk cId="60379206" sldId="256"/>
+            <ac:cxnSpMk id="45" creationId="{64A2C3B7-09FB-4E0D-9CD5-521414523CBB}"/>
+          </ac:cxnSpMkLst>
+        </pc:cxnChg>
+        <pc:cxnChg chg="add mod ord">
+          <ac:chgData name="Duy Nguyen Ngoc (FIS ENTHCM)" userId="810b9956-37a8-4c27-897b-1ce59f3dab75" providerId="ADAL" clId="{91B5AFD0-2E37-4F4A-96A6-AF72E49564A3}" dt="2018-11-19T09:31:48.569" v="595" actId="14100"/>
+          <ac:cxnSpMkLst>
+            <pc:docMk/>
+            <pc:sldMk cId="60379206" sldId="256"/>
+            <ac:cxnSpMk id="46" creationId="{90EEB1E6-C3C6-4BD2-8C56-1F8E9C36336D}"/>
+          </ac:cxnSpMkLst>
+        </pc:cxnChg>
+        <pc:cxnChg chg="add mod ord">
+          <ac:chgData name="Duy Nguyen Ngoc (FIS ENTHCM)" userId="810b9956-37a8-4c27-897b-1ce59f3dab75" providerId="ADAL" clId="{91B5AFD0-2E37-4F4A-96A6-AF72E49564A3}" dt="2018-11-19T09:31:50.633" v="596" actId="14100"/>
+          <ac:cxnSpMkLst>
+            <pc:docMk/>
+            <pc:sldMk cId="60379206" sldId="256"/>
+            <ac:cxnSpMk id="47" creationId="{E62E03B0-6A4A-43A8-95C4-C8229981EB1B}"/>
+          </ac:cxnSpMkLst>
+        </pc:cxnChg>
+        <pc:cxnChg chg="add mod">
+          <ac:chgData name="Duy Nguyen Ngoc (FIS ENTHCM)" userId="810b9956-37a8-4c27-897b-1ce59f3dab75" providerId="ADAL" clId="{91B5AFD0-2E37-4F4A-96A6-AF72E49564A3}" dt="2018-11-19T09:31:11.131" v="586" actId="1036"/>
+          <ac:cxnSpMkLst>
+            <pc:docMk/>
+            <pc:sldMk cId="60379206" sldId="256"/>
+            <ac:cxnSpMk id="54" creationId="{87650013-0EF4-4663-944A-06A38B643FD8}"/>
+          </ac:cxnSpMkLst>
+        </pc:cxnChg>
+        <pc:cxnChg chg="add mod">
+          <ac:chgData name="Duy Nguyen Ngoc (FIS ENTHCM)" userId="810b9956-37a8-4c27-897b-1ce59f3dab75" providerId="ADAL" clId="{91B5AFD0-2E37-4F4A-96A6-AF72E49564A3}" dt="2018-11-19T09:31:11.131" v="586" actId="1036"/>
+          <ac:cxnSpMkLst>
+            <pc:docMk/>
+            <pc:sldMk cId="60379206" sldId="256"/>
+            <ac:cxnSpMk id="55" creationId="{97F48B9D-1944-4CBE-B34E-08A23DED8187}"/>
+          </ac:cxnSpMkLst>
+        </pc:cxnChg>
+        <pc:cxnChg chg="add mod">
+          <ac:chgData name="Duy Nguyen Ngoc (FIS ENTHCM)" userId="810b9956-37a8-4c27-897b-1ce59f3dab75" providerId="ADAL" clId="{91B5AFD0-2E37-4F4A-96A6-AF72E49564A3}" dt="2018-11-19T09:31:11.131" v="586" actId="1036"/>
+          <ac:cxnSpMkLst>
+            <pc:docMk/>
+            <pc:sldMk cId="60379206" sldId="256"/>
+            <ac:cxnSpMk id="56" creationId="{257B44B9-EEE6-410F-A272-4FFF450BB670}"/>
+          </ac:cxnSpMkLst>
+        </pc:cxnChg>
+        <pc:cxnChg chg="add mod">
+          <ac:chgData name="Duy Nguyen Ngoc (FIS ENTHCM)" userId="810b9956-37a8-4c27-897b-1ce59f3dab75" providerId="ADAL" clId="{91B5AFD0-2E37-4F4A-96A6-AF72E49564A3}" dt="2018-11-19T09:31:11.131" v="586" actId="1036"/>
+          <ac:cxnSpMkLst>
+            <pc:docMk/>
+            <pc:sldMk cId="60379206" sldId="256"/>
+            <ac:cxnSpMk id="57" creationId="{B2E7D920-7963-4988-B682-F44C16E67783}"/>
+          </ac:cxnSpMkLst>
+        </pc:cxnChg>
+        <pc:cxnChg chg="add mod">
+          <ac:chgData name="Duy Nguyen Ngoc (FIS ENTHCM)" userId="810b9956-37a8-4c27-897b-1ce59f3dab75" providerId="ADAL" clId="{91B5AFD0-2E37-4F4A-96A6-AF72E49564A3}" dt="2018-11-19T09:31:11.131" v="586" actId="1036"/>
+          <ac:cxnSpMkLst>
+            <pc:docMk/>
+            <pc:sldMk cId="60379206" sldId="256"/>
+            <ac:cxnSpMk id="58" creationId="{A1A9C787-CCF7-4FA1-8C22-7F916B7CFD2F}"/>
+          </ac:cxnSpMkLst>
+        </pc:cxnChg>
+        <pc:cxnChg chg="add mod">
+          <ac:chgData name="Duy Nguyen Ngoc (FIS ENTHCM)" userId="810b9956-37a8-4c27-897b-1ce59f3dab75" providerId="ADAL" clId="{91B5AFD0-2E37-4F4A-96A6-AF72E49564A3}" dt="2018-11-19T09:31:11.131" v="586" actId="1036"/>
+          <ac:cxnSpMkLst>
+            <pc:docMk/>
+            <pc:sldMk cId="60379206" sldId="256"/>
+            <ac:cxnSpMk id="59" creationId="{DCD72A70-B379-46C6-B2BA-8DB6EF9FEC1D}"/>
           </ac:cxnSpMkLst>
         </pc:cxnChg>
       </pc:sldChg>
@@ -3692,6 +3921,382 @@
       </p:cxnSp>
       <p:cxnSp>
         <p:nvCxnSpPr>
+          <p:cNvPr id="3" name="Straight Connector 2">
+            <a:extLst>
+              <a:ext uri="{FF2B5EF4-FFF2-40B4-BE49-F238E27FC236}">
+                <a16:creationId xmlns:a16="http://schemas.microsoft.com/office/drawing/2014/main" id="{D680F179-44CF-4DCD-B44A-DA9E422BEF89}"/>
+              </a:ext>
+            </a:extLst>
+          </p:cNvPr>
+          <p:cNvCxnSpPr>
+            <a:cxnSpLocks/>
+          </p:cNvCxnSpPr>
+          <p:nvPr/>
+        </p:nvCxnSpPr>
+        <p:spPr>
+          <a:xfrm>
+            <a:off x="3083917" y="3362325"/>
+            <a:ext cx="0" cy="2791732"/>
+          </a:xfrm>
+          <a:prstGeom prst="line">
+            <a:avLst/>
+          </a:prstGeom>
+          <a:ln w="19050" cap="rnd">
+            <a:solidFill>
+              <a:schemeClr val="bg1">
+                <a:lumMod val="85000"/>
+              </a:schemeClr>
+            </a:solidFill>
+            <a:prstDash val="dash"/>
+            <a:round/>
+          </a:ln>
+        </p:spPr>
+        <p:style>
+          <a:lnRef idx="1">
+            <a:schemeClr val="accent1"/>
+          </a:lnRef>
+          <a:fillRef idx="0">
+            <a:schemeClr val="accent1"/>
+          </a:fillRef>
+          <a:effectRef idx="0">
+            <a:schemeClr val="accent1"/>
+          </a:effectRef>
+          <a:fontRef idx="minor">
+            <a:schemeClr val="tx1"/>
+          </a:fontRef>
+        </p:style>
+      </p:cxnSp>
+      <p:cxnSp>
+        <p:nvCxnSpPr>
+          <p:cNvPr id="41" name="Straight Connector 40">
+            <a:extLst>
+              <a:ext uri="{FF2B5EF4-FFF2-40B4-BE49-F238E27FC236}">
+                <a16:creationId xmlns:a16="http://schemas.microsoft.com/office/drawing/2014/main" id="{CD9FFA03-0555-4742-8B1A-77D9C0B5FF95}"/>
+              </a:ext>
+            </a:extLst>
+          </p:cNvPr>
+          <p:cNvCxnSpPr>
+            <a:cxnSpLocks/>
+          </p:cNvCxnSpPr>
+          <p:nvPr/>
+        </p:nvCxnSpPr>
+        <p:spPr>
+          <a:xfrm>
+            <a:off x="3532794" y="3362324"/>
+            <a:ext cx="0" cy="2746376"/>
+          </a:xfrm>
+          <a:prstGeom prst="line">
+            <a:avLst/>
+          </a:prstGeom>
+          <a:ln w="19050" cap="rnd">
+            <a:solidFill>
+              <a:schemeClr val="bg1">
+                <a:lumMod val="85000"/>
+              </a:schemeClr>
+            </a:solidFill>
+            <a:prstDash val="dash"/>
+            <a:round/>
+          </a:ln>
+        </p:spPr>
+        <p:style>
+          <a:lnRef idx="1">
+            <a:schemeClr val="accent1"/>
+          </a:lnRef>
+          <a:fillRef idx="0">
+            <a:schemeClr val="accent1"/>
+          </a:fillRef>
+          <a:effectRef idx="0">
+            <a:schemeClr val="accent1"/>
+          </a:effectRef>
+          <a:fontRef idx="minor">
+            <a:schemeClr val="tx1"/>
+          </a:fontRef>
+        </p:style>
+      </p:cxnSp>
+      <p:cxnSp>
+        <p:nvCxnSpPr>
+          <p:cNvPr id="42" name="Straight Connector 41">
+            <a:extLst>
+              <a:ext uri="{FF2B5EF4-FFF2-40B4-BE49-F238E27FC236}">
+                <a16:creationId xmlns:a16="http://schemas.microsoft.com/office/drawing/2014/main" id="{E904ABF5-9E62-4838-A538-6EEA4CE3D491}"/>
+              </a:ext>
+            </a:extLst>
+          </p:cNvPr>
+          <p:cNvCxnSpPr>
+            <a:cxnSpLocks/>
+          </p:cNvCxnSpPr>
+          <p:nvPr/>
+        </p:nvCxnSpPr>
+        <p:spPr>
+          <a:xfrm>
+            <a:off x="5377721" y="3362324"/>
+            <a:ext cx="0" cy="2746376"/>
+          </a:xfrm>
+          <a:prstGeom prst="line">
+            <a:avLst/>
+          </a:prstGeom>
+          <a:ln w="19050" cap="rnd">
+            <a:solidFill>
+              <a:schemeClr val="bg1">
+                <a:lumMod val="85000"/>
+              </a:schemeClr>
+            </a:solidFill>
+            <a:prstDash val="dash"/>
+            <a:round/>
+          </a:ln>
+        </p:spPr>
+        <p:style>
+          <a:lnRef idx="1">
+            <a:schemeClr val="accent1"/>
+          </a:lnRef>
+          <a:fillRef idx="0">
+            <a:schemeClr val="accent1"/>
+          </a:fillRef>
+          <a:effectRef idx="0">
+            <a:schemeClr val="accent1"/>
+          </a:effectRef>
+          <a:fontRef idx="minor">
+            <a:schemeClr val="tx1"/>
+          </a:fontRef>
+        </p:style>
+      </p:cxnSp>
+      <p:cxnSp>
+        <p:nvCxnSpPr>
+          <p:cNvPr id="43" name="Straight Connector 42">
+            <a:extLst>
+              <a:ext uri="{FF2B5EF4-FFF2-40B4-BE49-F238E27FC236}">
+                <a16:creationId xmlns:a16="http://schemas.microsoft.com/office/drawing/2014/main" id="{EE7427BE-0DD1-4010-A9C3-7982E2497D56}"/>
+              </a:ext>
+            </a:extLst>
+          </p:cNvPr>
+          <p:cNvCxnSpPr>
+            <a:cxnSpLocks/>
+          </p:cNvCxnSpPr>
+          <p:nvPr/>
+        </p:nvCxnSpPr>
+        <p:spPr>
+          <a:xfrm>
+            <a:off x="5828294" y="3362324"/>
+            <a:ext cx="0" cy="2746376"/>
+          </a:xfrm>
+          <a:prstGeom prst="line">
+            <a:avLst/>
+          </a:prstGeom>
+          <a:ln w="19050" cap="rnd">
+            <a:solidFill>
+              <a:schemeClr val="bg1">
+                <a:lumMod val="85000"/>
+              </a:schemeClr>
+            </a:solidFill>
+            <a:prstDash val="dash"/>
+            <a:round/>
+          </a:ln>
+        </p:spPr>
+        <p:style>
+          <a:lnRef idx="1">
+            <a:schemeClr val="accent1"/>
+          </a:lnRef>
+          <a:fillRef idx="0">
+            <a:schemeClr val="accent1"/>
+          </a:fillRef>
+          <a:effectRef idx="0">
+            <a:schemeClr val="accent1"/>
+          </a:effectRef>
+          <a:fontRef idx="minor">
+            <a:schemeClr val="tx1"/>
+          </a:fontRef>
+        </p:style>
+      </p:cxnSp>
+      <p:cxnSp>
+        <p:nvCxnSpPr>
+          <p:cNvPr id="44" name="Straight Connector 43">
+            <a:extLst>
+              <a:ext uri="{FF2B5EF4-FFF2-40B4-BE49-F238E27FC236}">
+                <a16:creationId xmlns:a16="http://schemas.microsoft.com/office/drawing/2014/main" id="{1E25E426-70D9-4D80-A779-1B1853DC3C55}"/>
+              </a:ext>
+            </a:extLst>
+          </p:cNvPr>
+          <p:cNvCxnSpPr>
+            <a:cxnSpLocks/>
+          </p:cNvCxnSpPr>
+          <p:nvPr/>
+        </p:nvCxnSpPr>
+        <p:spPr>
+          <a:xfrm>
+            <a:off x="6302327" y="4391025"/>
+            <a:ext cx="0" cy="1717675"/>
+          </a:xfrm>
+          <a:prstGeom prst="line">
+            <a:avLst/>
+          </a:prstGeom>
+          <a:ln w="19050" cap="rnd">
+            <a:solidFill>
+              <a:schemeClr val="bg1">
+                <a:lumMod val="85000"/>
+              </a:schemeClr>
+            </a:solidFill>
+            <a:prstDash val="dash"/>
+            <a:round/>
+          </a:ln>
+        </p:spPr>
+        <p:style>
+          <a:lnRef idx="1">
+            <a:schemeClr val="accent1"/>
+          </a:lnRef>
+          <a:fillRef idx="0">
+            <a:schemeClr val="accent1"/>
+          </a:fillRef>
+          <a:effectRef idx="0">
+            <a:schemeClr val="accent1"/>
+          </a:effectRef>
+          <a:fontRef idx="minor">
+            <a:schemeClr val="tx1"/>
+          </a:fontRef>
+        </p:style>
+      </p:cxnSp>
+      <p:cxnSp>
+        <p:nvCxnSpPr>
+          <p:cNvPr id="45" name="Straight Connector 44">
+            <a:extLst>
+              <a:ext uri="{FF2B5EF4-FFF2-40B4-BE49-F238E27FC236}">
+                <a16:creationId xmlns:a16="http://schemas.microsoft.com/office/drawing/2014/main" id="{64A2C3B7-09FB-4E0D-9CD5-521414523CBB}"/>
+              </a:ext>
+            </a:extLst>
+          </p:cNvPr>
+          <p:cNvCxnSpPr>
+            <a:cxnSpLocks/>
+          </p:cNvCxnSpPr>
+          <p:nvPr/>
+        </p:nvCxnSpPr>
+        <p:spPr>
+          <a:xfrm>
+            <a:off x="6742694" y="3362322"/>
+            <a:ext cx="0" cy="2746378"/>
+          </a:xfrm>
+          <a:prstGeom prst="line">
+            <a:avLst/>
+          </a:prstGeom>
+          <a:ln w="19050" cap="rnd">
+            <a:solidFill>
+              <a:schemeClr val="bg1">
+                <a:lumMod val="85000"/>
+              </a:schemeClr>
+            </a:solidFill>
+            <a:prstDash val="dash"/>
+            <a:round/>
+          </a:ln>
+        </p:spPr>
+        <p:style>
+          <a:lnRef idx="1">
+            <a:schemeClr val="accent1"/>
+          </a:lnRef>
+          <a:fillRef idx="0">
+            <a:schemeClr val="accent1"/>
+          </a:fillRef>
+          <a:effectRef idx="0">
+            <a:schemeClr val="accent1"/>
+          </a:effectRef>
+          <a:fontRef idx="minor">
+            <a:schemeClr val="tx1"/>
+          </a:fontRef>
+        </p:style>
+      </p:cxnSp>
+      <p:cxnSp>
+        <p:nvCxnSpPr>
+          <p:cNvPr id="46" name="Straight Connector 45">
+            <a:extLst>
+              <a:ext uri="{FF2B5EF4-FFF2-40B4-BE49-F238E27FC236}">
+                <a16:creationId xmlns:a16="http://schemas.microsoft.com/office/drawing/2014/main" id="{90EEB1E6-C3C6-4BD2-8C56-1F8E9C36336D}"/>
+              </a:ext>
+            </a:extLst>
+          </p:cNvPr>
+          <p:cNvCxnSpPr>
+            <a:cxnSpLocks/>
+          </p:cNvCxnSpPr>
+          <p:nvPr/>
+        </p:nvCxnSpPr>
+        <p:spPr>
+          <a:xfrm>
+            <a:off x="7211968" y="4314825"/>
+            <a:ext cx="0" cy="1793875"/>
+          </a:xfrm>
+          <a:prstGeom prst="line">
+            <a:avLst/>
+          </a:prstGeom>
+          <a:ln w="19050" cap="rnd">
+            <a:solidFill>
+              <a:schemeClr val="bg1">
+                <a:lumMod val="85000"/>
+              </a:schemeClr>
+            </a:solidFill>
+            <a:prstDash val="dash"/>
+            <a:round/>
+          </a:ln>
+        </p:spPr>
+        <p:style>
+          <a:lnRef idx="1">
+            <a:schemeClr val="accent1"/>
+          </a:lnRef>
+          <a:fillRef idx="0">
+            <a:schemeClr val="accent1"/>
+          </a:fillRef>
+          <a:effectRef idx="0">
+            <a:schemeClr val="accent1"/>
+          </a:effectRef>
+          <a:fontRef idx="minor">
+            <a:schemeClr val="tx1"/>
+          </a:fontRef>
+        </p:style>
+      </p:cxnSp>
+      <p:cxnSp>
+        <p:nvCxnSpPr>
+          <p:cNvPr id="47" name="Straight Connector 46">
+            <a:extLst>
+              <a:ext uri="{FF2B5EF4-FFF2-40B4-BE49-F238E27FC236}">
+                <a16:creationId xmlns:a16="http://schemas.microsoft.com/office/drawing/2014/main" id="{E62E03B0-6A4A-43A8-95C4-C8229981EB1B}"/>
+              </a:ext>
+            </a:extLst>
+          </p:cNvPr>
+          <p:cNvCxnSpPr>
+            <a:cxnSpLocks/>
+          </p:cNvCxnSpPr>
+          <p:nvPr/>
+        </p:nvCxnSpPr>
+        <p:spPr>
+          <a:xfrm>
+            <a:off x="8569507" y="3362320"/>
+            <a:ext cx="0" cy="2746380"/>
+          </a:xfrm>
+          <a:prstGeom prst="line">
+            <a:avLst/>
+          </a:prstGeom>
+          <a:ln w="19050" cap="rnd">
+            <a:solidFill>
+              <a:schemeClr val="bg1">
+                <a:lumMod val="85000"/>
+              </a:schemeClr>
+            </a:solidFill>
+            <a:prstDash val="dash"/>
+            <a:round/>
+          </a:ln>
+        </p:spPr>
+        <p:style>
+          <a:lnRef idx="1">
+            <a:schemeClr val="accent1"/>
+          </a:lnRef>
+          <a:fillRef idx="0">
+            <a:schemeClr val="accent1"/>
+          </a:fillRef>
+          <a:effectRef idx="0">
+            <a:schemeClr val="accent1"/>
+          </a:effectRef>
+          <a:fontRef idx="minor">
+            <a:schemeClr val="tx1"/>
+          </a:fontRef>
+        </p:style>
+      </p:cxnSp>
+      <p:cxnSp>
+        <p:nvCxnSpPr>
           <p:cNvPr id="17" name="Straight Connector 16">
             <a:extLst>
               <a:ext uri="{FF2B5EF4-FFF2-40B4-BE49-F238E27FC236}">
@@ -4026,7 +4631,7 @@
         <p:spPr>
           <a:xfrm>
             <a:off x="6285494" y="3952974"/>
-            <a:ext cx="1371600" cy="0"/>
+            <a:ext cx="914400" cy="0"/>
           </a:xfrm>
           <a:prstGeom prst="line">
             <a:avLst/>
@@ -4069,7 +4674,7 @@
         </p:nvSpPr>
         <p:spPr>
           <a:xfrm rot="18611179">
-            <a:off x="6146685" y="4654094"/>
+            <a:off x="5701559" y="4635527"/>
             <a:ext cx="1776888" cy="276999"/>
           </a:xfrm>
           <a:prstGeom prst="rect">
@@ -4187,8 +4792,8 @@
         </p:nvCxnSpPr>
         <p:spPr>
           <a:xfrm>
-            <a:off x="7657094" y="3952974"/>
-            <a:ext cx="914400" cy="0"/>
+            <a:off x="7199894" y="3952974"/>
+            <a:ext cx="1371600" cy="0"/>
           </a:xfrm>
           <a:prstGeom prst="line">
             <a:avLst/>
@@ -4609,7 +5214,7 @@
         </p:nvSpPr>
         <p:spPr>
           <a:xfrm>
-            <a:off x="7519934" y="3821797"/>
+            <a:off x="7074808" y="3803230"/>
             <a:ext cx="274320" cy="274320"/>
           </a:xfrm>
           <a:prstGeom prst="ellipse">
@@ -4757,6 +5362,598 @@
           </a:p>
         </p:txBody>
       </p:sp>
+      <p:sp>
+        <p:nvSpPr>
+          <p:cNvPr id="9" name="TextBox 8">
+            <a:extLst>
+              <a:ext uri="{FF2B5EF4-FFF2-40B4-BE49-F238E27FC236}">
+                <a16:creationId xmlns:a16="http://schemas.microsoft.com/office/drawing/2014/main" id="{2721D60C-50E3-49CA-89A3-20B8FF4D3B0D}"/>
+              </a:ext>
+            </a:extLst>
+          </p:cNvPr>
+          <p:cNvSpPr txBox="1"/>
+          <p:nvPr/>
+        </p:nvSpPr>
+        <p:spPr>
+          <a:xfrm>
+            <a:off x="3034874" y="5540374"/>
+            <a:ext cx="542136" cy="246221"/>
+          </a:xfrm>
+          <a:prstGeom prst="rect">
+            <a:avLst/>
+          </a:prstGeom>
+          <a:noFill/>
+        </p:spPr>
+        <p:txBody>
+          <a:bodyPr wrap="none" rtlCol="0">
+            <a:spAutoFit/>
+          </a:bodyPr>
+          <a:lstStyle/>
+          <a:p>
+            <a:pPr algn="ctr"/>
+            <a:r>
+              <a:rPr lang="en-US" sz="1000" dirty="0">
+                <a:latin typeface="Roboto" panose="02000000000000000000" pitchFamily="2" charset="0"/>
+                <a:ea typeface="Roboto" panose="02000000000000000000" pitchFamily="2" charset="0"/>
+              </a:rPr>
+              <a:t>2 tuần</a:t>
+            </a:r>
+          </a:p>
+        </p:txBody>
+      </p:sp>
+      <p:sp>
+        <p:nvSpPr>
+          <p:cNvPr id="48" name="TextBox 47">
+            <a:extLst>
+              <a:ext uri="{FF2B5EF4-FFF2-40B4-BE49-F238E27FC236}">
+                <a16:creationId xmlns:a16="http://schemas.microsoft.com/office/drawing/2014/main" id="{56BDC95F-CF60-4010-9C69-1E1E483DB0E1}"/>
+              </a:ext>
+            </a:extLst>
+          </p:cNvPr>
+          <p:cNvSpPr txBox="1"/>
+          <p:nvPr/>
+        </p:nvSpPr>
+        <p:spPr>
+          <a:xfrm>
+            <a:off x="4135299" y="5540374"/>
+            <a:ext cx="614272" cy="246221"/>
+          </a:xfrm>
+          <a:prstGeom prst="rect">
+            <a:avLst/>
+          </a:prstGeom>
+          <a:noFill/>
+        </p:spPr>
+        <p:txBody>
+          <a:bodyPr wrap="none" rtlCol="0">
+            <a:spAutoFit/>
+          </a:bodyPr>
+          <a:lstStyle/>
+          <a:p>
+            <a:pPr algn="ctr"/>
+            <a:r>
+              <a:rPr lang="en-US" sz="1000" dirty="0">
+                <a:latin typeface="Roboto" panose="02000000000000000000" pitchFamily="2" charset="0"/>
+                <a:ea typeface="Roboto" panose="02000000000000000000" pitchFamily="2" charset="0"/>
+              </a:rPr>
+              <a:t>2 tháng</a:t>
+            </a:r>
+          </a:p>
+        </p:txBody>
+      </p:sp>
+      <p:sp>
+        <p:nvSpPr>
+          <p:cNvPr id="49" name="TextBox 48">
+            <a:extLst>
+              <a:ext uri="{FF2B5EF4-FFF2-40B4-BE49-F238E27FC236}">
+                <a16:creationId xmlns:a16="http://schemas.microsoft.com/office/drawing/2014/main" id="{13A617D5-EC84-4950-9DA8-F1A1F4378641}"/>
+              </a:ext>
+            </a:extLst>
+          </p:cNvPr>
+          <p:cNvSpPr txBox="1"/>
+          <p:nvPr/>
+        </p:nvSpPr>
+        <p:spPr>
+          <a:xfrm>
+            <a:off x="5331407" y="5540373"/>
+            <a:ext cx="542136" cy="246221"/>
+          </a:xfrm>
+          <a:prstGeom prst="rect">
+            <a:avLst/>
+          </a:prstGeom>
+          <a:noFill/>
+        </p:spPr>
+        <p:txBody>
+          <a:bodyPr wrap="none" rtlCol="0">
+            <a:spAutoFit/>
+          </a:bodyPr>
+          <a:lstStyle/>
+          <a:p>
+            <a:pPr algn="ctr"/>
+            <a:r>
+              <a:rPr lang="en-US" sz="1000" dirty="0">
+                <a:latin typeface="Roboto" panose="02000000000000000000" pitchFamily="2" charset="0"/>
+                <a:ea typeface="Roboto" panose="02000000000000000000" pitchFamily="2" charset="0"/>
+              </a:rPr>
+              <a:t>2 tuần</a:t>
+            </a:r>
+          </a:p>
+        </p:txBody>
+      </p:sp>
+      <p:sp>
+        <p:nvSpPr>
+          <p:cNvPr id="50" name="TextBox 49">
+            <a:extLst>
+              <a:ext uri="{FF2B5EF4-FFF2-40B4-BE49-F238E27FC236}">
+                <a16:creationId xmlns:a16="http://schemas.microsoft.com/office/drawing/2014/main" id="{BA68C87C-324A-4614-98FD-6A26D452F07B}"/>
+              </a:ext>
+            </a:extLst>
+          </p:cNvPr>
+          <p:cNvSpPr txBox="1"/>
+          <p:nvPr/>
+        </p:nvSpPr>
+        <p:spPr>
+          <a:xfrm>
+            <a:off x="5788575" y="5540372"/>
+            <a:ext cx="542136" cy="246221"/>
+          </a:xfrm>
+          <a:prstGeom prst="rect">
+            <a:avLst/>
+          </a:prstGeom>
+          <a:noFill/>
+        </p:spPr>
+        <p:txBody>
+          <a:bodyPr wrap="none" rtlCol="0">
+            <a:spAutoFit/>
+          </a:bodyPr>
+          <a:lstStyle/>
+          <a:p>
+            <a:pPr algn="ctr"/>
+            <a:r>
+              <a:rPr lang="en-US" sz="1000" dirty="0">
+                <a:latin typeface="Roboto" panose="02000000000000000000" pitchFamily="2" charset="0"/>
+                <a:ea typeface="Roboto" panose="02000000000000000000" pitchFamily="2" charset="0"/>
+              </a:rPr>
+              <a:t>2 tuần</a:t>
+            </a:r>
+          </a:p>
+        </p:txBody>
+      </p:sp>
+      <p:sp>
+        <p:nvSpPr>
+          <p:cNvPr id="51" name="TextBox 50">
+            <a:extLst>
+              <a:ext uri="{FF2B5EF4-FFF2-40B4-BE49-F238E27FC236}">
+                <a16:creationId xmlns:a16="http://schemas.microsoft.com/office/drawing/2014/main" id="{C971EF09-CD61-4659-BE14-26435E7880E1}"/>
+              </a:ext>
+            </a:extLst>
+          </p:cNvPr>
+          <p:cNvSpPr txBox="1"/>
+          <p:nvPr/>
+        </p:nvSpPr>
+        <p:spPr>
+          <a:xfrm>
+            <a:off x="6257349" y="5540371"/>
+            <a:ext cx="542136" cy="246221"/>
+          </a:xfrm>
+          <a:prstGeom prst="rect">
+            <a:avLst/>
+          </a:prstGeom>
+          <a:noFill/>
+        </p:spPr>
+        <p:txBody>
+          <a:bodyPr wrap="none" rtlCol="0">
+            <a:spAutoFit/>
+          </a:bodyPr>
+          <a:lstStyle/>
+          <a:p>
+            <a:pPr algn="ctr"/>
+            <a:r>
+              <a:rPr lang="en-US" sz="1000" dirty="0">
+                <a:latin typeface="Roboto" panose="02000000000000000000" pitchFamily="2" charset="0"/>
+                <a:ea typeface="Roboto" panose="02000000000000000000" pitchFamily="2" charset="0"/>
+              </a:rPr>
+              <a:t>2 tuần</a:t>
+            </a:r>
+          </a:p>
+        </p:txBody>
+      </p:sp>
+      <p:sp>
+        <p:nvSpPr>
+          <p:cNvPr id="52" name="TextBox 51">
+            <a:extLst>
+              <a:ext uri="{FF2B5EF4-FFF2-40B4-BE49-F238E27FC236}">
+                <a16:creationId xmlns:a16="http://schemas.microsoft.com/office/drawing/2014/main" id="{46BDB94A-4021-4417-9504-5072E8C0FD58}"/>
+              </a:ext>
+            </a:extLst>
+          </p:cNvPr>
+          <p:cNvSpPr txBox="1"/>
+          <p:nvPr/>
+        </p:nvSpPr>
+        <p:spPr>
+          <a:xfrm>
+            <a:off x="6702013" y="5540370"/>
+            <a:ext cx="542136" cy="246221"/>
+          </a:xfrm>
+          <a:prstGeom prst="rect">
+            <a:avLst/>
+          </a:prstGeom>
+          <a:noFill/>
+        </p:spPr>
+        <p:txBody>
+          <a:bodyPr wrap="none" rtlCol="0">
+            <a:spAutoFit/>
+          </a:bodyPr>
+          <a:lstStyle/>
+          <a:p>
+            <a:pPr algn="ctr"/>
+            <a:r>
+              <a:rPr lang="en-US" sz="1000" dirty="0">
+                <a:latin typeface="Roboto" panose="02000000000000000000" pitchFamily="2" charset="0"/>
+                <a:ea typeface="Roboto" panose="02000000000000000000" pitchFamily="2" charset="0"/>
+              </a:rPr>
+              <a:t>2 tuần</a:t>
+            </a:r>
+          </a:p>
+        </p:txBody>
+      </p:sp>
+      <p:sp>
+        <p:nvSpPr>
+          <p:cNvPr id="53" name="TextBox 52">
+            <a:extLst>
+              <a:ext uri="{FF2B5EF4-FFF2-40B4-BE49-F238E27FC236}">
+                <a16:creationId xmlns:a16="http://schemas.microsoft.com/office/drawing/2014/main" id="{27CF5845-B737-4BF4-ABB5-49A560803A94}"/>
+              </a:ext>
+            </a:extLst>
+          </p:cNvPr>
+          <p:cNvSpPr txBox="1"/>
+          <p:nvPr/>
+        </p:nvSpPr>
+        <p:spPr>
+          <a:xfrm>
+            <a:off x="7526484" y="5540370"/>
+            <a:ext cx="720070" cy="246221"/>
+          </a:xfrm>
+          <a:prstGeom prst="rect">
+            <a:avLst/>
+          </a:prstGeom>
+          <a:noFill/>
+        </p:spPr>
+        <p:txBody>
+          <a:bodyPr wrap="none" rtlCol="0">
+            <a:spAutoFit/>
+          </a:bodyPr>
+          <a:lstStyle/>
+          <a:p>
+            <a:pPr algn="ctr"/>
+            <a:r>
+              <a:rPr lang="en-US" sz="1000" dirty="0">
+                <a:latin typeface="Roboto" panose="02000000000000000000" pitchFamily="2" charset="0"/>
+                <a:ea typeface="Roboto" panose="02000000000000000000" pitchFamily="2" charset="0"/>
+              </a:rPr>
+              <a:t>1.5 tháng</a:t>
+            </a:r>
+          </a:p>
+        </p:txBody>
+      </p:sp>
+      <p:cxnSp>
+        <p:nvCxnSpPr>
+          <p:cNvPr id="23" name="Straight Arrow Connector 22">
+            <a:extLst>
+              <a:ext uri="{FF2B5EF4-FFF2-40B4-BE49-F238E27FC236}">
+                <a16:creationId xmlns:a16="http://schemas.microsoft.com/office/drawing/2014/main" id="{7789CD19-86C6-457D-9569-3E6568583D6D}"/>
+              </a:ext>
+            </a:extLst>
+          </p:cNvPr>
+          <p:cNvCxnSpPr/>
+          <p:nvPr/>
+        </p:nvCxnSpPr>
+        <p:spPr>
+          <a:xfrm>
+            <a:off x="3124200" y="5835649"/>
+            <a:ext cx="366713" cy="0"/>
+          </a:xfrm>
+          <a:prstGeom prst="straightConnector1">
+            <a:avLst/>
+          </a:prstGeom>
+          <a:ln w="22225" cmpd="sng">
+            <a:solidFill>
+              <a:schemeClr val="bg1">
+                <a:lumMod val="50000"/>
+              </a:schemeClr>
+            </a:solidFill>
+            <a:headEnd type="triangle" w="sm" len="sm"/>
+            <a:tailEnd type="triangle" w="sm" len="sm"/>
+          </a:ln>
+        </p:spPr>
+        <p:style>
+          <a:lnRef idx="1">
+            <a:schemeClr val="accent1"/>
+          </a:lnRef>
+          <a:fillRef idx="0">
+            <a:schemeClr val="accent1"/>
+          </a:fillRef>
+          <a:effectRef idx="0">
+            <a:schemeClr val="accent1"/>
+          </a:effectRef>
+          <a:fontRef idx="minor">
+            <a:schemeClr val="tx1"/>
+          </a:fontRef>
+        </p:style>
+      </p:cxnSp>
+      <p:cxnSp>
+        <p:nvCxnSpPr>
+          <p:cNvPr id="54" name="Straight Arrow Connector 53">
+            <a:extLst>
+              <a:ext uri="{FF2B5EF4-FFF2-40B4-BE49-F238E27FC236}">
+                <a16:creationId xmlns:a16="http://schemas.microsoft.com/office/drawing/2014/main" id="{87650013-0EF4-4663-944A-06A38B643FD8}"/>
+              </a:ext>
+            </a:extLst>
+          </p:cNvPr>
+          <p:cNvCxnSpPr>
+            <a:cxnSpLocks/>
+          </p:cNvCxnSpPr>
+          <p:nvPr/>
+        </p:nvCxnSpPr>
+        <p:spPr>
+          <a:xfrm>
+            <a:off x="3577010" y="5840411"/>
+            <a:ext cx="1754397" cy="0"/>
+          </a:xfrm>
+          <a:prstGeom prst="straightConnector1">
+            <a:avLst/>
+          </a:prstGeom>
+          <a:ln w="22225" cmpd="sng">
+            <a:solidFill>
+              <a:schemeClr val="bg1">
+                <a:lumMod val="50000"/>
+              </a:schemeClr>
+            </a:solidFill>
+            <a:headEnd type="triangle" w="sm" len="sm"/>
+            <a:tailEnd type="triangle" w="sm" len="sm"/>
+          </a:ln>
+        </p:spPr>
+        <p:style>
+          <a:lnRef idx="1">
+            <a:schemeClr val="accent1"/>
+          </a:lnRef>
+          <a:fillRef idx="0">
+            <a:schemeClr val="accent1"/>
+          </a:fillRef>
+          <a:effectRef idx="0">
+            <a:schemeClr val="accent1"/>
+          </a:effectRef>
+          <a:fontRef idx="minor">
+            <a:schemeClr val="tx1"/>
+          </a:fontRef>
+        </p:style>
+      </p:cxnSp>
+      <p:cxnSp>
+        <p:nvCxnSpPr>
+          <p:cNvPr id="55" name="Straight Arrow Connector 54">
+            <a:extLst>
+              <a:ext uri="{FF2B5EF4-FFF2-40B4-BE49-F238E27FC236}">
+                <a16:creationId xmlns:a16="http://schemas.microsoft.com/office/drawing/2014/main" id="{97F48B9D-1944-4CBE-B34E-08A23DED8187}"/>
+              </a:ext>
+            </a:extLst>
+          </p:cNvPr>
+          <p:cNvCxnSpPr/>
+          <p:nvPr/>
+        </p:nvCxnSpPr>
+        <p:spPr>
+          <a:xfrm>
+            <a:off x="5421862" y="5845174"/>
+            <a:ext cx="366713" cy="0"/>
+          </a:xfrm>
+          <a:prstGeom prst="straightConnector1">
+            <a:avLst/>
+          </a:prstGeom>
+          <a:ln w="22225" cmpd="sng">
+            <a:solidFill>
+              <a:schemeClr val="bg1">
+                <a:lumMod val="50000"/>
+              </a:schemeClr>
+            </a:solidFill>
+            <a:headEnd type="triangle" w="sm" len="sm"/>
+            <a:tailEnd type="triangle" w="sm" len="sm"/>
+          </a:ln>
+        </p:spPr>
+        <p:style>
+          <a:lnRef idx="1">
+            <a:schemeClr val="accent1"/>
+          </a:lnRef>
+          <a:fillRef idx="0">
+            <a:schemeClr val="accent1"/>
+          </a:fillRef>
+          <a:effectRef idx="0">
+            <a:schemeClr val="accent1"/>
+          </a:effectRef>
+          <a:fontRef idx="minor">
+            <a:schemeClr val="tx1"/>
+          </a:fontRef>
+        </p:style>
+      </p:cxnSp>
+      <p:cxnSp>
+        <p:nvCxnSpPr>
+          <p:cNvPr id="56" name="Straight Arrow Connector 55">
+            <a:extLst>
+              <a:ext uri="{FF2B5EF4-FFF2-40B4-BE49-F238E27FC236}">
+                <a16:creationId xmlns:a16="http://schemas.microsoft.com/office/drawing/2014/main" id="{257B44B9-EEE6-410F-A272-4FFF450BB670}"/>
+              </a:ext>
+            </a:extLst>
+          </p:cNvPr>
+          <p:cNvCxnSpPr/>
+          <p:nvPr/>
+        </p:nvCxnSpPr>
+        <p:spPr>
+          <a:xfrm>
+            <a:off x="5873543" y="5845174"/>
+            <a:ext cx="366713" cy="0"/>
+          </a:xfrm>
+          <a:prstGeom prst="straightConnector1">
+            <a:avLst/>
+          </a:prstGeom>
+          <a:ln w="22225" cmpd="sng">
+            <a:solidFill>
+              <a:schemeClr val="bg1">
+                <a:lumMod val="50000"/>
+              </a:schemeClr>
+            </a:solidFill>
+            <a:headEnd type="triangle" w="sm" len="sm"/>
+            <a:tailEnd type="triangle" w="sm" len="sm"/>
+          </a:ln>
+        </p:spPr>
+        <p:style>
+          <a:lnRef idx="1">
+            <a:schemeClr val="accent1"/>
+          </a:lnRef>
+          <a:fillRef idx="0">
+            <a:schemeClr val="accent1"/>
+          </a:fillRef>
+          <a:effectRef idx="0">
+            <a:schemeClr val="accent1"/>
+          </a:effectRef>
+          <a:fontRef idx="minor">
+            <a:schemeClr val="tx1"/>
+          </a:fontRef>
+        </p:style>
+      </p:cxnSp>
+      <p:cxnSp>
+        <p:nvCxnSpPr>
+          <p:cNvPr id="57" name="Straight Arrow Connector 56">
+            <a:extLst>
+              <a:ext uri="{FF2B5EF4-FFF2-40B4-BE49-F238E27FC236}">
+                <a16:creationId xmlns:a16="http://schemas.microsoft.com/office/drawing/2014/main" id="{B2E7D920-7963-4988-B682-F44C16E67783}"/>
+              </a:ext>
+            </a:extLst>
+          </p:cNvPr>
+          <p:cNvCxnSpPr/>
+          <p:nvPr/>
+        </p:nvCxnSpPr>
+        <p:spPr>
+          <a:xfrm>
+            <a:off x="6335300" y="5845174"/>
+            <a:ext cx="366713" cy="0"/>
+          </a:xfrm>
+          <a:prstGeom prst="straightConnector1">
+            <a:avLst/>
+          </a:prstGeom>
+          <a:ln w="22225" cmpd="sng">
+            <a:solidFill>
+              <a:schemeClr val="bg1">
+                <a:lumMod val="50000"/>
+              </a:schemeClr>
+            </a:solidFill>
+            <a:headEnd type="triangle" w="sm" len="sm"/>
+            <a:tailEnd type="triangle" w="sm" len="sm"/>
+          </a:ln>
+        </p:spPr>
+        <p:style>
+          <a:lnRef idx="1">
+            <a:schemeClr val="accent1"/>
+          </a:lnRef>
+          <a:fillRef idx="0">
+            <a:schemeClr val="accent1"/>
+          </a:fillRef>
+          <a:effectRef idx="0">
+            <a:schemeClr val="accent1"/>
+          </a:effectRef>
+          <a:fontRef idx="minor">
+            <a:schemeClr val="tx1"/>
+          </a:fontRef>
+        </p:style>
+      </p:cxnSp>
+      <p:cxnSp>
+        <p:nvCxnSpPr>
+          <p:cNvPr id="58" name="Straight Arrow Connector 57">
+            <a:extLst>
+              <a:ext uri="{FF2B5EF4-FFF2-40B4-BE49-F238E27FC236}">
+                <a16:creationId xmlns:a16="http://schemas.microsoft.com/office/drawing/2014/main" id="{A1A9C787-CCF7-4FA1-8C22-7F916B7CFD2F}"/>
+              </a:ext>
+            </a:extLst>
+          </p:cNvPr>
+          <p:cNvCxnSpPr/>
+          <p:nvPr/>
+        </p:nvCxnSpPr>
+        <p:spPr>
+          <a:xfrm>
+            <a:off x="6799485" y="5845174"/>
+            <a:ext cx="366713" cy="0"/>
+          </a:xfrm>
+          <a:prstGeom prst="straightConnector1">
+            <a:avLst/>
+          </a:prstGeom>
+          <a:ln w="22225" cmpd="sng">
+            <a:solidFill>
+              <a:schemeClr val="bg1">
+                <a:lumMod val="50000"/>
+              </a:schemeClr>
+            </a:solidFill>
+            <a:headEnd type="triangle" w="sm" len="sm"/>
+            <a:tailEnd type="triangle" w="sm" len="sm"/>
+          </a:ln>
+        </p:spPr>
+        <p:style>
+          <a:lnRef idx="1">
+            <a:schemeClr val="accent1"/>
+          </a:lnRef>
+          <a:fillRef idx="0">
+            <a:schemeClr val="accent1"/>
+          </a:fillRef>
+          <a:effectRef idx="0">
+            <a:schemeClr val="accent1"/>
+          </a:effectRef>
+          <a:fontRef idx="minor">
+            <a:schemeClr val="tx1"/>
+          </a:fontRef>
+        </p:style>
+      </p:cxnSp>
+      <p:cxnSp>
+        <p:nvCxnSpPr>
+          <p:cNvPr id="59" name="Straight Arrow Connector 58">
+            <a:extLst>
+              <a:ext uri="{FF2B5EF4-FFF2-40B4-BE49-F238E27FC236}">
+                <a16:creationId xmlns:a16="http://schemas.microsoft.com/office/drawing/2014/main" id="{DCD72A70-B379-46C6-B2BA-8DB6EF9FEC1D}"/>
+              </a:ext>
+            </a:extLst>
+          </p:cNvPr>
+          <p:cNvCxnSpPr>
+            <a:cxnSpLocks/>
+          </p:cNvCxnSpPr>
+          <p:nvPr/>
+        </p:nvCxnSpPr>
+        <p:spPr>
+          <a:xfrm>
+            <a:off x="7269101" y="5845174"/>
+            <a:ext cx="1246249" cy="0"/>
+          </a:xfrm>
+          <a:prstGeom prst="straightConnector1">
+            <a:avLst/>
+          </a:prstGeom>
+          <a:ln w="22225" cmpd="sng">
+            <a:solidFill>
+              <a:schemeClr val="bg1">
+                <a:lumMod val="50000"/>
+              </a:schemeClr>
+            </a:solidFill>
+            <a:headEnd type="triangle" w="sm" len="sm"/>
+            <a:tailEnd type="triangle" w="sm" len="sm"/>
+          </a:ln>
+        </p:spPr>
+        <p:style>
+          <a:lnRef idx="1">
+            <a:schemeClr val="accent1"/>
+          </a:lnRef>
+          <a:fillRef idx="0">
+            <a:schemeClr val="accent1"/>
+          </a:fillRef>
+          <a:effectRef idx="0">
+            <a:schemeClr val="accent1"/>
+          </a:effectRef>
+          <a:fontRef idx="minor">
+            <a:schemeClr val="tx1"/>
+          </a:fontRef>
+        </p:style>
+      </p:cxnSp>
     </p:spTree>
     <p:extLst>
       <p:ext uri="{BB962C8B-B14F-4D97-AF65-F5344CB8AC3E}">
@@ -5066,6 +6263,21 @@
 </file>
 
 <file path=customXml/item1.xml><?xml version="1.0" encoding="utf-8"?>
+<p:properties xmlns:p="http://schemas.microsoft.com/office/2006/metadata/properties" xmlns:xsi="http://www.w3.org/2001/XMLSchema-instance" xmlns:pc="http://schemas.microsoft.com/office/infopath/2007/PartnerControls">
+  <documentManagement/>
+</p:properties>
+</file>
+
+<file path=customXml/item2.xml><?xml version="1.0" encoding="utf-8"?>
+<?mso-contentType ?>
+<FormTemplates xmlns="http://schemas.microsoft.com/sharepoint/v3/contenttype/forms">
+  <Display>DocumentLibraryForm</Display>
+  <Edit>DocumentLibraryForm</Edit>
+  <New>DocumentLibraryForm</New>
+</FormTemplates>
+</file>
+
+<file path=customXml/item3.xml><?xml version="1.0" encoding="utf-8"?>
 <ct:contentTypeSchema xmlns:ct="http://schemas.microsoft.com/office/2006/metadata/contentType" xmlns:ma="http://schemas.microsoft.com/office/2006/metadata/properties/metaAttributes" ct:_="" ma:_="" ma:contentTypeName="Document" ma:contentTypeID="0x01010040435E32F6DDF34B8AD3EC3DB4C41201" ma:contentTypeVersion="9" ma:contentTypeDescription="Create a new document." ma:contentTypeScope="" ma:versionID="2f518581e1412f8afc44c9e8c9513a67">
   <xsd:schema xmlns:xsd="http://www.w3.org/2001/XMLSchema" xmlns:xs="http://www.w3.org/2001/XMLSchema" xmlns:p="http://schemas.microsoft.com/office/2006/metadata/properties" xmlns:ns2="96a91b2c-535c-4407-8d80-201e71026d48" xmlns:ns3="fdf7a2b7-bb77-4f7e-94f6-2dd51ae5b9c3" targetNamespace="http://schemas.microsoft.com/office/2006/metadata/properties" ma:root="true" ma:fieldsID="d85c7a2a02b0036937dd4e8919a7f176" ns2:_="" ns3:_="">
     <xsd:import namespace="96a91b2c-535c-4407-8d80-201e71026d48"/>
@@ -5262,22 +6474,32 @@
 </ct:contentTypeSchema>
 </file>
 
-<file path=customXml/item2.xml><?xml version="1.0" encoding="utf-8"?>
-<?mso-contentType ?>
-<FormTemplates xmlns="http://schemas.microsoft.com/sharepoint/v3/contenttype/forms">
-  <Display>DocumentLibraryForm</Display>
-  <Edit>DocumentLibraryForm</Edit>
-  <New>DocumentLibraryForm</New>
-</FormTemplates>
+<file path=customXml/itemProps1.xml><?xml version="1.0" encoding="utf-8"?>
+<ds:datastoreItem xmlns:ds="http://schemas.openxmlformats.org/officeDocument/2006/customXml" ds:itemID="{27570212-4532-4E13-BFE5-3C0BE0D77730}">
+  <ds:schemaRefs>
+    <ds:schemaRef ds:uri="http://purl.org/dc/elements/1.1/"/>
+    <ds:schemaRef ds:uri="http://schemas.microsoft.com/office/2006/metadata/properties"/>
+    <ds:schemaRef ds:uri="http://purl.org/dc/dcmitype/"/>
+    <ds:schemaRef ds:uri="http://purl.org/dc/terms/"/>
+    <ds:schemaRef ds:uri="http://www.w3.org/XML/1998/namespace"/>
+    <ds:schemaRef ds:uri="http://schemas.microsoft.com/office/2006/documentManagement/types"/>
+    <ds:schemaRef ds:uri="http://schemas.microsoft.com/office/infopath/2007/PartnerControls"/>
+    <ds:schemaRef ds:uri="http://schemas.openxmlformats.org/package/2006/metadata/core-properties"/>
+    <ds:schemaRef ds:uri="fdf7a2b7-bb77-4f7e-94f6-2dd51ae5b9c3"/>
+    <ds:schemaRef ds:uri="96a91b2c-535c-4407-8d80-201e71026d48"/>
+  </ds:schemaRefs>
+</ds:datastoreItem>
 </file>
 
-<file path=customXml/item3.xml><?xml version="1.0" encoding="utf-8"?>
-<p:properties xmlns:p="http://schemas.microsoft.com/office/2006/metadata/properties" xmlns:xsi="http://www.w3.org/2001/XMLSchema-instance" xmlns:pc="http://schemas.microsoft.com/office/infopath/2007/PartnerControls">
-  <documentManagement/>
-</p:properties>
+<file path=customXml/itemProps2.xml><?xml version="1.0" encoding="utf-8"?>
+<ds:datastoreItem xmlns:ds="http://schemas.openxmlformats.org/officeDocument/2006/customXml" ds:itemID="{28F0F5C6-84B3-4D00-ABAA-546AF6BF8F15}">
+  <ds:schemaRefs>
+    <ds:schemaRef ds:uri="http://schemas.microsoft.com/sharepoint/v3/contenttype/forms"/>
+  </ds:schemaRefs>
+</ds:datastoreItem>
 </file>
 
-<file path=customXml/itemProps1.xml><?xml version="1.0" encoding="utf-8"?>
+<file path=customXml/itemProps3.xml><?xml version="1.0" encoding="utf-8"?>
 <ds:datastoreItem xmlns:ds="http://schemas.openxmlformats.org/officeDocument/2006/customXml" ds:itemID="{3632305A-DB20-43A6-B916-77EF0F06E676}">
   <ds:schemaRefs>
     <ds:schemaRef ds:uri="http://schemas.microsoft.com/office/2006/metadata/contentType"/>
@@ -5294,29 +6516,4 @@
     <ds:schemaRef ds:uri="http://schemas.microsoft.com/internal/obd"/>
   </ds:schemaRefs>
 </ds:datastoreItem>
-</file>
-
-<file path=customXml/itemProps2.xml><?xml version="1.0" encoding="utf-8"?>
-<ds:datastoreItem xmlns:ds="http://schemas.openxmlformats.org/officeDocument/2006/customXml" ds:itemID="{28F0F5C6-84B3-4D00-ABAA-546AF6BF8F15}">
-  <ds:schemaRefs>
-    <ds:schemaRef ds:uri="http://schemas.microsoft.com/sharepoint/v3/contenttype/forms"/>
-  </ds:schemaRefs>
-</ds:datastoreItem>
-</file>
-
-<file path=customXml/itemProps3.xml><?xml version="1.0" encoding="utf-8"?>
-<ds:datastoreItem xmlns:ds="http://schemas.openxmlformats.org/officeDocument/2006/customXml" ds:itemID="{27570212-4532-4E13-BFE5-3C0BE0D77730}">
-  <ds:schemaRefs>
-    <ds:schemaRef ds:uri="http://purl.org/dc/elements/1.1/"/>
-    <ds:schemaRef ds:uri="http://purl.org/dc/dcmitype/"/>
-    <ds:schemaRef ds:uri="fdf7a2b7-bb77-4f7e-94f6-2dd51ae5b9c3"/>
-    <ds:schemaRef ds:uri="http://schemas.microsoft.com/office/2006/documentManagement/types"/>
-    <ds:schemaRef ds:uri="http://schemas.microsoft.com/office/2006/metadata/properties"/>
-    <ds:schemaRef ds:uri="http://schemas.microsoft.com/office/infopath/2007/PartnerControls"/>
-    <ds:schemaRef ds:uri="http://purl.org/dc/terms/"/>
-    <ds:schemaRef ds:uri="http://schemas.openxmlformats.org/package/2006/metadata/core-properties"/>
-    <ds:schemaRef ds:uri="96a91b2c-535c-4407-8d80-201e71026d48"/>
-    <ds:schemaRef ds:uri="http://www.w3.org/XML/1998/namespace"/>
-  </ds:schemaRefs>
-</ds:datastoreItem>
 </file>